--- a/src/javase/EntiArarasDev2017.pptx
+++ b/src/javase/EntiArarasDev2017.pptx
@@ -237,10 +237,6 @@
 </p:presentation>
 </file>
 
-<file path=ppt/revisionInfo.xml><?xml version="1.0" encoding="utf-8"?>
-<p1510:revInfo xmlns:a="http://schemas.openxmlformats.org/drawingml/2006/main" xmlns:r="http://schemas.openxmlformats.org/officeDocument/2006/relationships" xmlns:p1510="http://schemas.microsoft.com/office/powerpoint/2015/10/main"/>
-</file>
-
 <file path=ppt/handoutMasters/handoutMaster1.xml><?xml version="1.0" encoding="utf-8"?>
 <p:handoutMaster xmlns:a="http://schemas.openxmlformats.org/drawingml/2006/main" xmlns:r="http://schemas.openxmlformats.org/officeDocument/2006/relationships" xmlns:p="http://schemas.openxmlformats.org/presentationml/2006/main">
   <p:cSld>
@@ -325,7 +321,7 @@
             <a:pPr rtl="0"/>
             <a:fld id="{2608C59C-1BB9-4237-A9B7-DD2A63A425B8}" type="datetime1">
               <a:rPr lang="pt-BR" smtClean="0"/>
-              <a:t>15/11/2017</a:t>
+              <a:t>02/01/2019</a:t>
             </a:fld>
             <a:endParaRPr dirty="0"/>
           </a:p>
@@ -495,7 +491,7 @@
             <a:pPr rtl="0"/>
             <a:fld id="{022BDD9A-7962-4409-97BC-171BE8D3EB63}" type="datetime1">
               <a:rPr lang="pt-BR" smtClean="0"/>
-              <a:t>15/11/2017</a:t>
+              <a:t>02/01/2019</a:t>
             </a:fld>
             <a:endParaRPr dirty="0"/>
           </a:p>
@@ -1075,7 +1071,7 @@
             <a:pPr rtl="0"/>
             <a:fld id="{96889373-E0D5-4643-B064-BFD8872E26E7}" type="datetime1">
               <a:rPr lang="pt-BR" noProof="0" smtClean="0"/>
-              <a:t>15/11/2017</a:t>
+              <a:t>02/01/2019</a:t>
             </a:fld>
             <a:endParaRPr lang="pt-BR" noProof="0" dirty="0"/>
           </a:p>
@@ -1296,7 +1292,7 @@
             <a:pPr rtl="0"/>
             <a:fld id="{B3042ED7-693C-4DAE-8C9F-6CD10DCCDE4A}" type="datetime1">
               <a:rPr lang="pt-BR" noProof="0" smtClean="0"/>
-              <a:t>15/11/2017</a:t>
+              <a:t>02/01/2019</a:t>
             </a:fld>
             <a:endParaRPr lang="pt-BR" noProof="0" dirty="0"/>
           </a:p>
@@ -1495,7 +1491,7 @@
             <a:pPr rtl="0"/>
             <a:fld id="{7F74302C-7C8D-4A4B-B900-903D774A3203}" type="datetime1">
               <a:rPr lang="pt-BR" noProof="0" smtClean="0"/>
-              <a:t>15/11/2017</a:t>
+              <a:t>02/01/2019</a:t>
             </a:fld>
             <a:endParaRPr lang="pt-BR" noProof="0" dirty="0"/>
           </a:p>
@@ -1691,7 +1687,7 @@
             <a:pPr rtl="0"/>
             <a:fld id="{EA4F1D6D-61E9-4560-AE50-437CD3E0797D}" type="datetime1">
               <a:rPr lang="pt-BR" noProof="0" smtClean="0"/>
-              <a:t>15/11/2017</a:t>
+              <a:t>02/01/2019</a:t>
             </a:fld>
             <a:endParaRPr lang="pt-BR" noProof="0" dirty="0"/>
           </a:p>
@@ -1966,7 +1962,7 @@
             <a:pPr rtl="0"/>
             <a:fld id="{C8E612FF-9D9B-442A-A7B7-783CF641648B}" type="datetime1">
               <a:rPr lang="pt-BR" noProof="0" smtClean="0"/>
-              <a:t>15/11/2017</a:t>
+              <a:t>02/01/2019</a:t>
             </a:fld>
             <a:endParaRPr lang="pt-BR" noProof="0" dirty="0"/>
           </a:p>
@@ -2282,7 +2278,7 @@
             <a:pPr rtl="0"/>
             <a:fld id="{F436BC18-1538-4347-88A0-FBBE390276CE}" type="datetime1">
               <a:rPr lang="pt-BR" noProof="0" smtClean="0"/>
-              <a:t>15/11/2017</a:t>
+              <a:t>02/01/2019</a:t>
             </a:fld>
             <a:endParaRPr lang="pt-BR" noProof="0" dirty="0"/>
           </a:p>
@@ -2750,7 +2746,7 @@
             <a:pPr rtl="0"/>
             <a:fld id="{F9EF773A-66D3-4479-A363-0ABA1114F949}" type="datetime1">
               <a:rPr lang="pt-BR" noProof="0" smtClean="0"/>
-              <a:t>15/11/2017</a:t>
+              <a:t>02/01/2019</a:t>
             </a:fld>
             <a:endParaRPr lang="pt-BR" noProof="0" dirty="0"/>
           </a:p>
@@ -2887,7 +2883,7 @@
             <a:pPr rtl="0"/>
             <a:fld id="{A61F1639-220E-4506-8203-EC22F2D55226}" type="datetime1">
               <a:rPr lang="pt-BR" noProof="0" smtClean="0"/>
-              <a:t>15/11/2017</a:t>
+              <a:t>02/01/2019</a:t>
             </a:fld>
             <a:endParaRPr lang="pt-BR" noProof="0" dirty="0"/>
           </a:p>
@@ -3000,7 +2996,7 @@
             <a:pPr rtl="0"/>
             <a:fld id="{37C53185-4266-4950-837F-464AB456FAE0}" type="datetime1">
               <a:rPr lang="pt-BR" noProof="0" smtClean="0"/>
-              <a:t>15/11/2017</a:t>
+              <a:t>02/01/2019</a:t>
             </a:fld>
             <a:endParaRPr lang="pt-BR" noProof="0" dirty="0"/>
           </a:p>
@@ -3315,7 +3311,7 @@
             <a:pPr rtl="0"/>
             <a:fld id="{DD70CDCA-AC70-451C-8055-85D4ED38DB8E}" type="datetime1">
               <a:rPr lang="pt-BR" noProof="0" smtClean="0"/>
-              <a:t>15/11/2017</a:t>
+              <a:t>02/01/2019</a:t>
             </a:fld>
             <a:endParaRPr lang="pt-BR" noProof="0" dirty="0"/>
           </a:p>
@@ -3620,7 +3616,7 @@
             <a:pPr rtl="0"/>
             <a:fld id="{BF98E21A-0130-47DC-BAB7-BD5183C39865}" type="datetime1">
               <a:rPr lang="pt-BR" noProof="0" smtClean="0"/>
-              <a:t>15/11/2017</a:t>
+              <a:t>02/01/2019</a:t>
             </a:fld>
             <a:endParaRPr lang="pt-BR" noProof="0" dirty="0"/>
           </a:p>
@@ -3881,7 +3877,7 @@
             <a:pPr rtl="0"/>
             <a:fld id="{3C8DF653-1584-4C44-ACF6-47D68A964806}" type="datetime1">
               <a:rPr lang="pt-BR" noProof="0" smtClean="0"/>
-              <a:t>15/11/2017</a:t>
+              <a:t>02/01/2019</a:t>
             </a:fld>
             <a:endParaRPr lang="pt-BR" noProof="0" dirty="0"/>
           </a:p>
@@ -4352,11 +4348,11 @@
   <p:clrMapOvr>
     <a:masterClrMapping/>
   </p:clrMapOvr>
-  <mc:AlternateContent xmlns:mc="http://schemas.openxmlformats.org/markup-compatibility/2006">
-    <mc:Choice xmlns:p14="http://schemas.microsoft.com/office/powerpoint/2010/main" Requires="p14">
+  <mc:AlternateContent xmlns:mc="http://schemas.openxmlformats.org/markup-compatibility/2006" xmlns:p14="http://schemas.microsoft.com/office/powerpoint/2010/main">
+    <mc:Choice Requires="p14">
       <p:transition p14:dur="0" advTm="5710"/>
     </mc:Choice>
-    <mc:Fallback>
+    <mc:Fallback xmlns="">
       <p:transition advTm="5710"/>
     </mc:Fallback>
   </mc:AlternateContent>
@@ -4479,13 +4475,13 @@
   <p:clrMapOvr>
     <a:masterClrMapping/>
   </p:clrMapOvr>
-  <mc:AlternateContent xmlns:mc="http://schemas.openxmlformats.org/markup-compatibility/2006">
-    <mc:Choice xmlns:p14="http://schemas.microsoft.com/office/powerpoint/2010/main" Requires="p14">
+  <mc:AlternateContent xmlns:mc="http://schemas.openxmlformats.org/markup-compatibility/2006" xmlns:p14="http://schemas.microsoft.com/office/powerpoint/2010/main">
+    <mc:Choice Requires="p14">
       <p:transition spd="med" p14:dur="700" advTm="30201">
         <p:fade/>
       </p:transition>
     </mc:Choice>
-    <mc:Fallback>
+    <mc:Fallback xmlns="">
       <p:transition spd="med" advTm="30201">
         <p:fade/>
       </p:transition>
@@ -4637,13 +4633,13 @@
   <p:clrMapOvr>
     <a:masterClrMapping/>
   </p:clrMapOvr>
-  <mc:AlternateContent xmlns:mc="http://schemas.openxmlformats.org/markup-compatibility/2006">
-    <mc:Choice xmlns:p14="http://schemas.microsoft.com/office/powerpoint/2010/main" Requires="p14">
+  <mc:AlternateContent xmlns:mc="http://schemas.openxmlformats.org/markup-compatibility/2006" xmlns:p14="http://schemas.microsoft.com/office/powerpoint/2010/main">
+    <mc:Choice Requires="p14">
       <p:transition spd="med" p14:dur="700" advTm="30299">
         <p:fade/>
       </p:transition>
     </mc:Choice>
-    <mc:Fallback>
+    <mc:Fallback xmlns="">
       <p:transition spd="med" advTm="30299">
         <p:fade/>
       </p:transition>
@@ -4750,13 +4746,13 @@
   <p:clrMapOvr>
     <a:masterClrMapping/>
   </p:clrMapOvr>
-  <mc:AlternateContent xmlns:mc="http://schemas.openxmlformats.org/markup-compatibility/2006">
-    <mc:Choice xmlns:p14="http://schemas.microsoft.com/office/powerpoint/2010/main" Requires="p14">
+  <mc:AlternateContent xmlns:mc="http://schemas.openxmlformats.org/markup-compatibility/2006" xmlns:p14="http://schemas.microsoft.com/office/powerpoint/2010/main">
+    <mc:Choice Requires="p14">
       <p:transition spd="med" p14:dur="700" advTm="15313">
         <p:fade/>
       </p:transition>
     </mc:Choice>
-    <mc:Fallback>
+    <mc:Fallback xmlns="">
       <p:transition spd="med" advTm="15313">
         <p:fade/>
       </p:transition>
@@ -4879,13 +4875,13 @@
   <p:clrMapOvr>
     <a:masterClrMapping/>
   </p:clrMapOvr>
-  <mc:AlternateContent xmlns:mc="http://schemas.openxmlformats.org/markup-compatibility/2006">
-    <mc:Choice xmlns:p14="http://schemas.microsoft.com/office/powerpoint/2010/main" Requires="p14">
+  <mc:AlternateContent xmlns:mc="http://schemas.openxmlformats.org/markup-compatibility/2006" xmlns:p14="http://schemas.microsoft.com/office/powerpoint/2010/main">
+    <mc:Choice Requires="p14">
       <p:transition spd="med" p14:dur="700" advTm="16161">
         <p:fade/>
       </p:transition>
     </mc:Choice>
-    <mc:Fallback>
+    <mc:Fallback xmlns="">
       <p:transition spd="med" advTm="16161">
         <p:fade/>
       </p:transition>
@@ -5016,13 +5012,13 @@
   <p:clrMapOvr>
     <a:masterClrMapping/>
   </p:clrMapOvr>
-  <mc:AlternateContent xmlns:mc="http://schemas.openxmlformats.org/markup-compatibility/2006">
-    <mc:Choice xmlns:p14="http://schemas.microsoft.com/office/powerpoint/2010/main" Requires="p14">
+  <mc:AlternateContent xmlns:mc="http://schemas.openxmlformats.org/markup-compatibility/2006" xmlns:p14="http://schemas.microsoft.com/office/powerpoint/2010/main">
+    <mc:Choice Requires="p14">
       <p:transition spd="med" p14:dur="700" advTm="720">
         <p:fade/>
       </p:transition>
     </mc:Choice>
-    <mc:Fallback>
+    <mc:Fallback xmlns="">
       <p:transition spd="med" advTm="720">
         <p:fade/>
       </p:transition>
@@ -5129,13 +5125,13 @@
   <p:clrMapOvr>
     <a:masterClrMapping/>
   </p:clrMapOvr>
-  <mc:AlternateContent xmlns:mc="http://schemas.openxmlformats.org/markup-compatibility/2006">
-    <mc:Choice xmlns:p14="http://schemas.microsoft.com/office/powerpoint/2010/main" Requires="p14">
+  <mc:AlternateContent xmlns:mc="http://schemas.openxmlformats.org/markup-compatibility/2006" xmlns:p14="http://schemas.microsoft.com/office/powerpoint/2010/main">
+    <mc:Choice Requires="p14">
       <p:transition spd="med" p14:dur="700" advTm="533">
         <p:fade/>
       </p:transition>
     </mc:Choice>
-    <mc:Fallback>
+    <mc:Fallback xmlns="">
       <p:transition spd="med" advTm="533">
         <p:fade/>
       </p:transition>
@@ -5260,13 +5256,13 @@
   <p:clrMapOvr>
     <a:masterClrMapping/>
   </p:clrMapOvr>
-  <mc:AlternateContent xmlns:mc="http://schemas.openxmlformats.org/markup-compatibility/2006">
-    <mc:Choice xmlns:p14="http://schemas.microsoft.com/office/powerpoint/2010/main" Requires="p14">
+  <mc:AlternateContent xmlns:mc="http://schemas.openxmlformats.org/markup-compatibility/2006" xmlns:p14="http://schemas.microsoft.com/office/powerpoint/2010/main">
+    <mc:Choice Requires="p14">
       <p:transition spd="med" p14:dur="700" advTm="369">
         <p:fade/>
       </p:transition>
     </mc:Choice>
-    <mc:Fallback>
+    <mc:Fallback xmlns="">
       <p:transition spd="med" advTm="369">
         <p:fade/>
       </p:transition>
@@ -5388,13 +5384,13 @@
   <p:clrMapOvr>
     <a:masterClrMapping/>
   </p:clrMapOvr>
-  <mc:AlternateContent xmlns:mc="http://schemas.openxmlformats.org/markup-compatibility/2006">
-    <mc:Choice xmlns:p14="http://schemas.microsoft.com/office/powerpoint/2010/main" Requires="p14">
+  <mc:AlternateContent xmlns:mc="http://schemas.openxmlformats.org/markup-compatibility/2006" xmlns:p14="http://schemas.microsoft.com/office/powerpoint/2010/main">
+    <mc:Choice Requires="p14">
       <p:transition spd="med" p14:dur="700" advTm="2356">
         <p:fade/>
       </p:transition>
     </mc:Choice>
-    <mc:Fallback>
+    <mc:Fallback xmlns="">
       <p:transition spd="med" advTm="2356">
         <p:fade/>
       </p:transition>
@@ -5592,13 +5588,13 @@
   <p:clrMapOvr>
     <a:masterClrMapping/>
   </p:clrMapOvr>
-  <mc:AlternateContent xmlns:mc="http://schemas.openxmlformats.org/markup-compatibility/2006">
-    <mc:Choice xmlns:p14="http://schemas.microsoft.com/office/powerpoint/2010/main" Requires="p14">
+  <mc:AlternateContent xmlns:mc="http://schemas.openxmlformats.org/markup-compatibility/2006" xmlns:p14="http://schemas.microsoft.com/office/powerpoint/2010/main">
+    <mc:Choice Requires="p14">
       <p:transition spd="med" p14:dur="700" advTm="30438">
         <p:fade/>
       </p:transition>
     </mc:Choice>
-    <mc:Fallback>
+    <mc:Fallback xmlns="">
       <p:transition spd="med" advTm="30438">
         <p:fade/>
       </p:transition>
@@ -5726,42 +5722,6 @@
           </a:p>
         </p:txBody>
       </p:sp>
-      <p:pic>
-        <p:nvPicPr>
-          <p:cNvPr id="5" name="Imagem 4" descr="Uma imagem contendo pessoa, foto, posando, homem&#10;&#10;Descrição gerada com muito alta confiança">
-            <a:extLst>
-              <a:ext uri="{FF2B5EF4-FFF2-40B4-BE49-F238E27FC236}">
-                <a16:creationId xmlns:a16="http://schemas.microsoft.com/office/drawing/2014/main" id="{CEB450B1-233F-4A06-84A8-84E52EE7C3D3}"/>
-              </a:ext>
-            </a:extLst>
-          </p:cNvPr>
-          <p:cNvPicPr>
-            <a:picLocks noChangeAspect="1"/>
-          </p:cNvPicPr>
-          <p:nvPr/>
-        </p:nvPicPr>
-        <p:blipFill>
-          <a:blip r:embed="rId2">
-            <a:extLst>
-              <a:ext uri="{28A0092B-C50C-407E-A947-70E740481C1C}">
-                <a14:useLocalDpi xmlns:a14="http://schemas.microsoft.com/office/drawing/2010/main" val="0"/>
-              </a:ext>
-            </a:extLst>
-          </a:blip>
-          <a:stretch>
-            <a:fillRect/>
-          </a:stretch>
-        </p:blipFill>
-        <p:spPr>
-          <a:xfrm>
-            <a:off x="1629915" y="4149081"/>
-            <a:ext cx="8136905" cy="2520279"/>
-          </a:xfrm>
-          <a:prstGeom prst="rect">
-            <a:avLst/>
-          </a:prstGeom>
-        </p:spPr>
-      </p:pic>
     </p:spTree>
     <p:extLst>
       <p:ext uri="{BB962C8B-B14F-4D97-AF65-F5344CB8AC3E}">
@@ -5772,13 +5732,13 @@
   <p:clrMapOvr>
     <a:masterClrMapping/>
   </p:clrMapOvr>
-  <mc:AlternateContent xmlns:mc="http://schemas.openxmlformats.org/markup-compatibility/2006">
-    <mc:Choice xmlns:p14="http://schemas.microsoft.com/office/powerpoint/2010/main" Requires="p14">
+  <mc:AlternateContent xmlns:mc="http://schemas.openxmlformats.org/markup-compatibility/2006" xmlns:p14="http://schemas.microsoft.com/office/powerpoint/2010/main">
+    <mc:Choice Requires="p14">
       <p:transition spd="med" p14:dur="700" advTm="30102">
         <p:fade/>
       </p:transition>
     </mc:Choice>
-    <mc:Fallback>
+    <mc:Fallback xmlns="">
       <p:transition spd="med" advTm="30102">
         <p:fade/>
       </p:transition>
@@ -5934,13 +5894,13 @@
   <p:clrMapOvr>
     <a:masterClrMapping/>
   </p:clrMapOvr>
-  <mc:AlternateContent xmlns:mc="http://schemas.openxmlformats.org/markup-compatibility/2006">
-    <mc:Choice xmlns:p14="http://schemas.microsoft.com/office/powerpoint/2010/main" Requires="p14">
+  <mc:AlternateContent xmlns:mc="http://schemas.openxmlformats.org/markup-compatibility/2006" xmlns:p14="http://schemas.microsoft.com/office/powerpoint/2010/main">
+    <mc:Choice Requires="p14">
       <p:transition spd="med" p14:dur="700" advTm="30455">
         <p:fade/>
       </p:transition>
     </mc:Choice>
-    <mc:Fallback>
+    <mc:Fallback xmlns="">
       <p:transition spd="med" advTm="30455">
         <p:fade/>
       </p:transition>
@@ -6057,13 +6017,13 @@
   <p:clrMapOvr>
     <a:masterClrMapping/>
   </p:clrMapOvr>
-  <mc:AlternateContent xmlns:mc="http://schemas.openxmlformats.org/markup-compatibility/2006">
-    <mc:Choice xmlns:p14="http://schemas.microsoft.com/office/powerpoint/2010/main" Requires="p14">
+  <mc:AlternateContent xmlns:mc="http://schemas.openxmlformats.org/markup-compatibility/2006" xmlns:p14="http://schemas.microsoft.com/office/powerpoint/2010/main">
+    <mc:Choice Requires="p14">
       <p:transition spd="med" p14:dur="700" advTm="15245">
         <p:fade/>
       </p:transition>
     </mc:Choice>
-    <mc:Fallback>
+    <mc:Fallback xmlns="">
       <p:transition spd="med" advTm="15245">
         <p:fade/>
       </p:transition>
@@ -6923,15 +6883,6 @@
 </file>
 
 <file path=customXml/item1.xml><?xml version="1.0" encoding="utf-8"?>
-<?mso-contentType ?>
-<FormTemplates xmlns="http://schemas.microsoft.com/sharepoint/v3/contenttype/forms">
-  <Display>DocumentLibraryForm</Display>
-  <Edit>DocumentLibraryForm</Edit>
-  <New>DocumentLibraryForm</New>
-</FormTemplates>
-</file>
-
-<file path=customXml/item2.xml><?xml version="1.0" encoding="utf-8"?>
 <p:properties xmlns:p="http://schemas.microsoft.com/office/2006/metadata/properties" xmlns:xsi="http://www.w3.org/2001/XMLSchema-instance" xmlns:pc="http://schemas.microsoft.com/office/infopath/2007/PartnerControls">
   <documentManagement>
     <VSO_x0020_item_x0020_id xmlns="40262f94-9f35-4ac3-9a90-690165a166b7" xsi:nil="true"/>
@@ -6940,6 +6891,15 @@
     <Template_x0020_details xmlns="40262f94-9f35-4ac3-9a90-690165a166b7" xsi:nil="true"/>
   </documentManagement>
 </p:properties>
+</file>
+
+<file path=customXml/item2.xml><?xml version="1.0" encoding="utf-8"?>
+<?mso-contentType ?>
+<FormTemplates xmlns="http://schemas.microsoft.com/sharepoint/v3/contenttype/forms">
+  <Display>DocumentLibraryForm</Display>
+  <Edit>DocumentLibraryForm</Edit>
+  <New>DocumentLibraryForm</New>
+</FormTemplates>
 </file>
 
 <file path=customXml/item3.xml><?xml version="1.0" encoding="utf-8"?>
@@ -7124,14 +7084,6 @@
 </file>
 
 <file path=customXml/itemProps1.xml><?xml version="1.0" encoding="utf-8"?>
-<ds:datastoreItem xmlns:ds="http://schemas.openxmlformats.org/officeDocument/2006/customXml" ds:itemID="{0875BD71-4A33-4FB7-88CA-777C4D9E6EE5}">
-  <ds:schemaRefs>
-    <ds:schemaRef ds:uri="http://schemas.microsoft.com/sharepoint/v3/contenttype/forms"/>
-  </ds:schemaRefs>
-</ds:datastoreItem>
-</file>
-
-<file path=customXml/itemProps2.xml><?xml version="1.0" encoding="utf-8"?>
 <ds:datastoreItem xmlns:ds="http://schemas.openxmlformats.org/officeDocument/2006/customXml" ds:itemID="{3049C11C-71DC-49B6-ACD8-27E3AE088D14}">
   <ds:schemaRefs>
     <ds:schemaRef ds:uri="http://schemas.microsoft.com/office/2006/documentManagement/types"/>
@@ -7144,6 +7096,14 @@
     <ds:schemaRef ds:uri="40262f94-9f35-4ac3-9a90-690165a166b7"/>
     <ds:schemaRef ds:uri="http://schemas.microsoft.com/office/2006/metadata/properties"/>
     <ds:schemaRef ds:uri="http://purl.org/dc/dcmitype/"/>
+  </ds:schemaRefs>
+</ds:datastoreItem>
+</file>
+
+<file path=customXml/itemProps2.xml><?xml version="1.0" encoding="utf-8"?>
+<ds:datastoreItem xmlns:ds="http://schemas.openxmlformats.org/officeDocument/2006/customXml" ds:itemID="{0875BD71-4A33-4FB7-88CA-777C4D9E6EE5}">
+  <ds:schemaRefs>
+    <ds:schemaRef ds:uri="http://schemas.microsoft.com/sharepoint/v3/contenttype/forms"/>
   </ds:schemaRefs>
 </ds:datastoreItem>
 </file>
